--- a/kubernetes/k8s005.pptx
+++ b/kubernetes/k8s005.pptx
@@ -1387,8 +1387,20 @@
           <a:lstStyle/>
           <a:p>
             <a:r>
+              <a:rPr kumimoji="1" lang="zh-CN" altLang="en-US" smtClean="0"/>
+              <a:t>还适合</a:t>
+            </a:r>
+            <a:r>
+              <a:rPr kumimoji="1" lang="en-US" altLang="zh-CN" smtClean="0"/>
+              <a:t>Redis,kafka,elasticsearch,mysql</a:t>
+            </a:r>
+            <a:r>
               <a:rPr kumimoji="1" lang="zh-CN" altLang="en-US" dirty="0" smtClean="0"/>
-              <a:t>对于一些复杂的</a:t>
+              <a:t>集群等等，对于一些更复杂</a:t>
+            </a:r>
+            <a:r>
+              <a:rPr kumimoji="1" lang="zh-CN" altLang="en-US" dirty="0" smtClean="0"/>
+              <a:t>的</a:t>
             </a:r>
             <a:r>
               <a:rPr kumimoji="1" lang="en-US" altLang="zh-CN" dirty="0" err="1" smtClean="0"/>
@@ -1557,7 +1569,7 @@
           <a:effectLst/>
           <a:extLst>
             <a:ext uri="{91240B29-F687-4f45-9708-019B960494DF}">
-              <a14:hiddenLine xmlns:a14="http://schemas.microsoft.com/office/drawing/2010/main" xmlns="" w="9525">
+              <a14:hiddenLine xmlns="" xmlns:a14="http://schemas.microsoft.com/office/drawing/2010/main" w="9525">
                 <a:solidFill>
                   <a:srgbClr val="000000"/>
                 </a:solidFill>
@@ -3067,7 +3079,7 @@
           <a:ln/>
           <a:extLst>
             <a:ext uri="{91240B29-F687-4f45-9708-019B960494DF}">
-              <a14:hiddenLine xmlns:a14="http://schemas.microsoft.com/office/drawing/2010/main" xmlns="" w="9525">
+              <a14:hiddenLine xmlns="" xmlns:a14="http://schemas.microsoft.com/office/drawing/2010/main" w="9525">
                 <a:solidFill>
                   <a:srgbClr val="000000"/>
                 </a:solidFill>
@@ -3339,7 +3351,7 @@
           <a:ln/>
           <a:extLst>
             <a:ext uri="{91240B29-F687-4f45-9708-019B960494DF}">
-              <a14:hiddenLine xmlns:a14="http://schemas.microsoft.com/office/drawing/2010/main" xmlns="" w="9525">
+              <a14:hiddenLine xmlns="" xmlns:a14="http://schemas.microsoft.com/office/drawing/2010/main" w="9525">
                 <a:solidFill>
                   <a:srgbClr val="000000"/>
                 </a:solidFill>
@@ -3619,7 +3631,7 @@
           <a:ln/>
           <a:extLst>
             <a:ext uri="{91240B29-F687-4f45-9708-019B960494DF}">
-              <a14:hiddenLine xmlns:a14="http://schemas.microsoft.com/office/drawing/2010/main" xmlns="" w="9525">
+              <a14:hiddenLine xmlns="" xmlns:a14="http://schemas.microsoft.com/office/drawing/2010/main" w="9525">
                 <a:solidFill>
                   <a:srgbClr val="000000"/>
                 </a:solidFill>
@@ -4239,7 +4251,7 @@
           <a:ln/>
           <a:extLst>
             <a:ext uri="{91240B29-F687-4f45-9708-019B960494DF}">
-              <a14:hiddenLine xmlns:a14="http://schemas.microsoft.com/office/drawing/2010/main" xmlns="" w="9525">
+              <a14:hiddenLine xmlns="" xmlns:a14="http://schemas.microsoft.com/office/drawing/2010/main" w="9525">
                 <a:solidFill>
                   <a:srgbClr val="000000"/>
                 </a:solidFill>
@@ -4575,7 +4587,7 @@
           <a:ln/>
           <a:extLst>
             <a:ext uri="{91240B29-F687-4f45-9708-019B960494DF}">
-              <a14:hiddenLine xmlns:a14="http://schemas.microsoft.com/office/drawing/2010/main" xmlns="" w="9525">
+              <a14:hiddenLine xmlns="" xmlns:a14="http://schemas.microsoft.com/office/drawing/2010/main" w="9525">
                 <a:solidFill>
                   <a:srgbClr val="000000"/>
                 </a:solidFill>
@@ -5049,7 +5061,7 @@
           <a:ln/>
           <a:extLst>
             <a:ext uri="{91240B29-F687-4f45-9708-019B960494DF}">
-              <a14:hiddenLine xmlns:a14="http://schemas.microsoft.com/office/drawing/2010/main" xmlns="" w="9525">
+              <a14:hiddenLine xmlns="" xmlns:a14="http://schemas.microsoft.com/office/drawing/2010/main" w="9525">
                 <a:solidFill>
                   <a:srgbClr val="000000"/>
                 </a:solidFill>
@@ -5472,7 +5484,7 @@
           <a:ln/>
           <a:extLst>
             <a:ext uri="{91240B29-F687-4f45-9708-019B960494DF}">
-              <a14:hiddenLine xmlns:a14="http://schemas.microsoft.com/office/drawing/2010/main" xmlns="" w="9525">
+              <a14:hiddenLine xmlns="" xmlns:a14="http://schemas.microsoft.com/office/drawing/2010/main" w="9525">
                 <a:solidFill>
                   <a:srgbClr val="000000"/>
                 </a:solidFill>
